--- a/img/mov2.pptx
+++ b/img/mov2.pptx
@@ -151,7 +151,7 @@
       </p14:sectionLst>
     </p:ext>
     <p:ext uri="{EFAFB233-063F-42B5-8137-9DF3F51BA10A}">
-      <p15:sldGuideLst xmlns="" xmlns:p15="http://schemas.microsoft.com/office/powerpoint/2012/main">
+      <p15:sldGuideLst xmlns:p15="http://schemas.microsoft.com/office/powerpoint/2012/main" xmlns="">
         <p15:guide id="1" orient="horz" pos="2160">
           <p15:clr>
             <a:srgbClr val="A4A3A4"/>
@@ -165,7 +165,7 @@
       </p15:sldGuideLst>
     </p:ext>
     <p:ext uri="{2D200454-40CA-4A62-9FC3-DE9A4176ACB9}">
-      <p15:notesGuideLst xmlns="" xmlns:p15="http://schemas.microsoft.com/office/powerpoint/2012/main">
+      <p15:notesGuideLst xmlns:p15="http://schemas.microsoft.com/office/powerpoint/2012/main" xmlns="">
         <p15:guide id="1" orient="horz" pos="3223">
           <p15:clr>
             <a:srgbClr val="A4A3A4"/>
@@ -1999,7 +1999,7 @@
             <p:spPr>
               <a:xfrm>
                 <a:off x="2574032" y="2950463"/>
-                <a:ext cx="1897251" cy="276999"/>
+                <a:ext cx="1991827" cy="276999"/>
               </a:xfrm>
               <a:prstGeom prst="rect">
                 <a:avLst/>
@@ -2018,8 +2018,8 @@
               <a:p>
                 <a:r>
                   <a:rPr lang="en-US" altLang="ja-JP" sz="1200" smtClean="0">
-                    <a:latin typeface="+mj-lt"/>
-                    <a:ea typeface="ＭＳ ゴシック" pitchFamily="49" charset="-128"/>
+                    <a:latin typeface="HG丸ｺﾞｼｯｸM-PRO" panose="020F0600000000000000" pitchFamily="50" charset="-128"/>
+                    <a:ea typeface="HG丸ｺﾞｼｯｸM-PRO" panose="020F0600000000000000" pitchFamily="50" charset="-128"/>
                     <a:cs typeface="Courier New" pitchFamily="49" charset="0"/>
                   </a:rPr>
                   <a:t>DLP</a:t>
@@ -2073,7 +2073,7 @@
             <p:spPr>
               <a:xfrm>
                 <a:off x="2574032" y="2950463"/>
-                <a:ext cx="1897251" cy="276999"/>
+                <a:ext cx="1991827" cy="276999"/>
               </a:xfrm>
               <a:prstGeom prst="rect">
                 <a:avLst/>
@@ -2081,7 +2081,7 @@
               <a:blipFill rotWithShape="1">
                 <a:blip r:embed="rId2"/>
                 <a:stretch>
-                  <a:fillRect t="-2222" b="-20000"/>
+                  <a:fillRect b="-17778"/>
                 </a:stretch>
               </a:blipFill>
               <a:ln w="19050" cap="rnd">
@@ -2104,8 +2104,8 @@
           </p:sp>
         </mc:Fallback>
       </mc:AlternateContent>
-      <mc:AlternateContent xmlns:mc="http://schemas.openxmlformats.org/markup-compatibility/2006">
-        <mc:Choice xmlns:a14="http://schemas.microsoft.com/office/drawing/2010/main" Requires="a14">
+      <mc:AlternateContent xmlns:mc="http://schemas.openxmlformats.org/markup-compatibility/2006" xmlns:a14="http://schemas.microsoft.com/office/drawing/2010/main">
+        <mc:Choice Requires="a14">
           <p:sp>
             <p:nvSpPr>
               <p:cNvPr id="37" name="テキスト ボックス 36"/>
@@ -2161,7 +2161,7 @@
             </p:txBody>
           </p:sp>
         </mc:Choice>
-        <mc:Fallback>
+        <mc:Fallback xmlns="">
           <p:sp>
             <p:nvSpPr>
               <p:cNvPr id="37" name="テキスト ボックス 36"/>
@@ -2204,8 +2204,8 @@
           </p:sp>
         </mc:Fallback>
       </mc:AlternateContent>
-      <mc:AlternateContent xmlns:mc="http://schemas.openxmlformats.org/markup-compatibility/2006">
-        <mc:Choice xmlns:a14="http://schemas.microsoft.com/office/drawing/2010/main" Requires="a14">
+      <mc:AlternateContent xmlns:mc="http://schemas.openxmlformats.org/markup-compatibility/2006" xmlns:a14="http://schemas.microsoft.com/office/drawing/2010/main">
+        <mc:Choice Requires="a14">
           <p:sp>
             <p:nvSpPr>
               <p:cNvPr id="40" name="テキスト ボックス 39"/>
@@ -2293,7 +2293,7 @@
             </p:txBody>
           </p:sp>
         </mc:Choice>
-        <mc:Fallback>
+        <mc:Fallback xmlns="">
           <p:sp>
             <p:nvSpPr>
               <p:cNvPr id="40" name="テキスト ボックス 39"/>
@@ -2336,8 +2336,8 @@
           </p:sp>
         </mc:Fallback>
       </mc:AlternateContent>
-      <mc:AlternateContent xmlns:mc="http://schemas.openxmlformats.org/markup-compatibility/2006">
-        <mc:Choice xmlns:a14="http://schemas.microsoft.com/office/drawing/2010/main" Requires="a14">
+      <mc:AlternateContent xmlns:mc="http://schemas.openxmlformats.org/markup-compatibility/2006" xmlns:a14="http://schemas.microsoft.com/office/drawing/2010/main">
+        <mc:Choice Requires="a14">
           <p:sp>
             <p:nvSpPr>
               <p:cNvPr id="46" name="テキスト ボックス 45"/>
@@ -2417,7 +2417,7 @@
             </p:txBody>
           </p:sp>
         </mc:Choice>
-        <mc:Fallback>
+        <mc:Fallback xmlns="">
           <p:sp>
             <p:nvSpPr>
               <p:cNvPr id="46" name="テキスト ボックス 45"/>
@@ -2460,8 +2460,8 @@
           </p:sp>
         </mc:Fallback>
       </mc:AlternateContent>
-      <mc:AlternateContent xmlns:mc="http://schemas.openxmlformats.org/markup-compatibility/2006">
-        <mc:Choice xmlns:a14="http://schemas.microsoft.com/office/drawing/2010/main" Requires="a14">
+      <mc:AlternateContent xmlns:mc="http://schemas.openxmlformats.org/markup-compatibility/2006" xmlns:a14="http://schemas.microsoft.com/office/drawing/2010/main">
+        <mc:Choice Requires="a14">
           <p:sp>
             <p:nvSpPr>
               <p:cNvPr id="22" name="テキスト ボックス 21"/>
@@ -2572,7 +2572,7 @@
             </p:txBody>
           </p:sp>
         </mc:Choice>
-        <mc:Fallback>
+        <mc:Fallback xmlns="">
           <p:sp>
             <p:nvSpPr>
               <p:cNvPr id="22" name="テキスト ボックス 21"/>
